--- a/PPT/X-ray.pptx
+++ b/PPT/X-ray.pptx
@@ -1056,11 +1056,7 @@
             </a:pPr>
             <a:r>
               <a:rPr lang="en-US" dirty="0" smtClean="0"/>
-              <a:t>i1</a:t>
-            </a:r>
-            <a:r>
-              <a:rPr lang="en-US" dirty="0" smtClean="0"/>
-              <a:t>=</a:t>
+              <a:t>i1=</a:t>
             </a:r>
             <a:r>
               <a:rPr lang="en-US" dirty="0" err="1" smtClean="0"/>
@@ -7495,27 +7491,29 @@
       </p:sp>
       <p:pic>
         <p:nvPicPr>
-          <p:cNvPr id="9220" name="Picture 4" descr="Resultado de imagen de calcium atom"/>
+          <p:cNvPr id="1026" name="Picture 2" descr="Resultado de imagen de photoelectric absorption x-ray"/>
           <p:cNvPicPr>
             <a:picLocks noChangeAspect="1" noChangeArrowheads="1"/>
           </p:cNvPicPr>
           <p:nvPr/>
         </p:nvPicPr>
-        <p:blipFill rotWithShape="1">
-          <a:blip r:embed="rId3">
+        <p:blipFill>
+          <a:blip r:embed="rId3" cstate="print">
             <a:extLst>
               <a:ext uri="{28A0092B-C50C-407E-A947-70E740481C1C}">
                 <a14:useLocalDpi xmlns:a14="http://schemas.microsoft.com/office/drawing/2010/main" val="0"/>
               </a:ext>
             </a:extLst>
           </a:blip>
-          <a:srcRect r="24707"/>
-          <a:stretch/>
+          <a:srcRect/>
+          <a:stretch>
+            <a:fillRect/>
+          </a:stretch>
         </p:blipFill>
         <p:spPr bwMode="auto">
           <a:xfrm>
-            <a:off x="5076056" y="116632"/>
-            <a:ext cx="4065316" cy="4197478"/>
+            <a:off x="5220072" y="404663"/>
+            <a:ext cx="3497981" cy="2889721"/>
           </a:xfrm>
           <a:prstGeom prst="rect">
             <a:avLst/>
@@ -7802,27 +7800,29 @@
       </p:sp>
       <p:pic>
         <p:nvPicPr>
-          <p:cNvPr id="7" name="Picture 4" descr="Resultado de imagen de calcium atom"/>
+          <p:cNvPr id="8" name="Picture 2" descr="Resultado de imagen de photoelectric absorption x-ray"/>
           <p:cNvPicPr>
             <a:picLocks noChangeAspect="1" noChangeArrowheads="1"/>
           </p:cNvPicPr>
           <p:nvPr/>
         </p:nvPicPr>
-        <p:blipFill rotWithShape="1">
-          <a:blip r:embed="rId3">
+        <p:blipFill>
+          <a:blip r:embed="rId3" cstate="print">
             <a:extLst>
               <a:ext uri="{28A0092B-C50C-407E-A947-70E740481C1C}">
                 <a14:useLocalDpi xmlns:a14="http://schemas.microsoft.com/office/drawing/2010/main" val="0"/>
               </a:ext>
             </a:extLst>
           </a:blip>
-          <a:srcRect r="24707"/>
-          <a:stretch/>
+          <a:srcRect/>
+          <a:stretch>
+            <a:fillRect/>
+          </a:stretch>
         </p:blipFill>
         <p:spPr bwMode="auto">
           <a:xfrm>
-            <a:off x="5076056" y="116632"/>
-            <a:ext cx="4065316" cy="4197478"/>
+            <a:off x="5220072" y="404663"/>
+            <a:ext cx="3497981" cy="2889721"/>
           </a:xfrm>
           <a:prstGeom prst="rect">
             <a:avLst/>
@@ -8072,6 +8072,14 @@
               <a:t>___ </a:t>
             </a:r>
             <a:r>
+              <a:rPr lang="es-ES" sz="2400" dirty="0"/>
+              <a:t> </a:t>
+            </a:r>
+            <a:r>
+              <a:rPr lang="es-ES" sz="2400" dirty="0" smtClean="0"/>
+              <a:t>                                    </a:t>
+            </a:r>
+            <a:r>
               <a:rPr lang="es-ES" sz="2400" dirty="0" err="1" smtClean="0"/>
               <a:t>give</a:t>
             </a:r>
@@ -8156,6 +8164,47 @@
           <a:xfrm>
             <a:off x="4067943" y="404664"/>
             <a:ext cx="4562475" cy="2362200"/>
+          </a:xfrm>
+          <a:prstGeom prst="rect">
+            <a:avLst/>
+          </a:prstGeom>
+          <a:noFill/>
+          <a:extLst>
+            <a:ext uri="{909E8E84-426E-40DD-AFC4-6F175D3DCCD1}">
+              <a14:hiddenFill xmlns:a14="http://schemas.microsoft.com/office/drawing/2010/main">
+                <a:solidFill>
+                  <a:srgbClr val="FFFFFF"/>
+                </a:solidFill>
+              </a14:hiddenFill>
+            </a:ext>
+          </a:extLst>
+        </p:spPr>
+      </p:pic>
+      <p:pic>
+        <p:nvPicPr>
+          <p:cNvPr id="7" name="Picture 2" descr="Resultado de imagen de photoelectric absorption x-ray"/>
+          <p:cNvPicPr>
+            <a:picLocks noChangeAspect="1" noChangeArrowheads="1"/>
+          </p:cNvPicPr>
+          <p:nvPr/>
+        </p:nvPicPr>
+        <p:blipFill>
+          <a:blip r:embed="rId4" cstate="print">
+            <a:extLst>
+              <a:ext uri="{28A0092B-C50C-407E-A947-70E740481C1C}">
+                <a14:useLocalDpi xmlns:a14="http://schemas.microsoft.com/office/drawing/2010/main" val="0"/>
+              </a:ext>
+            </a:extLst>
+          </a:blip>
+          <a:srcRect/>
+          <a:stretch>
+            <a:fillRect/>
+          </a:stretch>
+        </p:blipFill>
+        <p:spPr bwMode="auto">
+          <a:xfrm>
+            <a:off x="5220072" y="2636912"/>
+            <a:ext cx="3497981" cy="2889721"/>
           </a:xfrm>
           <a:prstGeom prst="rect">
             <a:avLst/>
@@ -8663,6 +8712,13 @@
   <p:clrMapOvr>
     <a:masterClrMapping/>
   </p:clrMapOvr>
+  <p:timing>
+    <p:tnLst>
+      <p:par>
+        <p:cTn id="1" dur="indefinite" restart="never" nodeType="tmRoot"/>
+      </p:par>
+    </p:tnLst>
+  </p:timing>
 </p:sld>
 </file>
 
@@ -10020,11 +10076,11 @@
   <p:clrMapOvr>
     <a:masterClrMapping/>
   </p:clrMapOvr>
-  <mc:AlternateContent xmlns:mc="http://schemas.openxmlformats.org/markup-compatibility/2006">
-    <mc:Choice xmlns:p14="http://schemas.microsoft.com/office/powerpoint/2010/main" Requires="p14">
+  <mc:AlternateContent xmlns:mc="http://schemas.openxmlformats.org/markup-compatibility/2006" xmlns:p14="http://schemas.microsoft.com/office/powerpoint/2010/main">
+    <mc:Choice Requires="p14">
       <p:transition spd="slow" p14:dur="2000"/>
     </mc:Choice>
-    <mc:Fallback>
+    <mc:Fallback xmlns="">
       <p:transition spd="slow"/>
     </mc:Fallback>
   </mc:AlternateContent>
@@ -10292,11 +10348,11 @@
   <p:clrMapOvr>
     <a:masterClrMapping/>
   </p:clrMapOvr>
-  <mc:AlternateContent xmlns:mc="http://schemas.openxmlformats.org/markup-compatibility/2006">
-    <mc:Choice xmlns:p14="http://schemas.microsoft.com/office/powerpoint/2010/main" Requires="p14">
+  <mc:AlternateContent xmlns:mc="http://schemas.openxmlformats.org/markup-compatibility/2006" xmlns:p14="http://schemas.microsoft.com/office/powerpoint/2010/main">
+    <mc:Choice Requires="p14">
       <p:transition spd="slow" p14:dur="2000"/>
     </mc:Choice>
-    <mc:Fallback>
+    <mc:Fallback xmlns="">
       <p:transition spd="slow"/>
     </mc:Fallback>
   </mc:AlternateContent>
